--- a/Esercizio 3/Riconoscitore_2_Modi.pptx
+++ b/Esercizio 3/Riconoscitore_2_Modi.pptx
@@ -128,6 +128,7 @@
   <p1510:revLst>
     <p1510:client id="{05056387-C736-4F10-A042-B6D6CD69354B}" v="10" dt="2021-10-27T16:05:31.259"/>
     <p1510:client id="{25B2123D-D55A-7C43-A9EF-20B5744BED91}" v="106" dt="2021-10-27T14:13:56.759"/>
+    <p1510:client id="{277AFCD6-CD53-449C-BAC3-DD59E66D57B5}" v="4" dt="2021-10-30T09:51:48.589"/>
     <p1510:client id="{38ED98A9-65E9-4B8F-A604-76877D84B8B1}" v="633" dt="2021-10-27T09:15:52.848"/>
     <p1510:client id="{3EB0238E-C161-44CD-A384-EE0BDDFF9BEC}" v="28" dt="2021-10-27T15:30:08.136"/>
     <p1510:client id="{BB5678D7-5D2C-4F4E-84F4-B6042F512606}" v="5" dt="2021-10-27T15:31:04.790"/>
@@ -233,6 +234,30 @@
           <pc:docMk/>
           <pc:sldMk cId="648684463" sldId="267"/>
         </pc:sldMkLst>
+      </pc:sldChg>
+    </pc:docChg>
+  </pc:docChgLst>
+  <pc:docChgLst>
+    <pc:chgData name="ANTONIO ROMANO" userId="S::antonio.romano45@studenti.unina.it::c190c4d8-e761-4b0d-a34b-08ae3699135d" providerId="AD" clId="Web-{277AFCD6-CD53-449C-BAC3-DD59E66D57B5}"/>
+    <pc:docChg chg="modSld">
+      <pc:chgData name="ANTONIO ROMANO" userId="S::antonio.romano45@studenti.unina.it::c190c4d8-e761-4b0d-a34b-08ae3699135d" providerId="AD" clId="Web-{277AFCD6-CD53-449C-BAC3-DD59E66D57B5}" dt="2021-10-30T09:51:48.589" v="3" actId="1076"/>
+      <pc:docMkLst>
+        <pc:docMk/>
+      </pc:docMkLst>
+      <pc:sldChg chg="modSp">
+        <pc:chgData name="ANTONIO ROMANO" userId="S::antonio.romano45@studenti.unina.it::c190c4d8-e761-4b0d-a34b-08ae3699135d" providerId="AD" clId="Web-{277AFCD6-CD53-449C-BAC3-DD59E66D57B5}" dt="2021-10-30T09:51:48.589" v="3" actId="1076"/>
+        <pc:sldMkLst>
+          <pc:docMk/>
+          <pc:sldMk cId="648684463" sldId="267"/>
+        </pc:sldMkLst>
+        <pc:picChg chg="mod">
+          <ac:chgData name="ANTONIO ROMANO" userId="S::antonio.romano45@studenti.unina.it::c190c4d8-e761-4b0d-a34b-08ae3699135d" providerId="AD" clId="Web-{277AFCD6-CD53-449C-BAC3-DD59E66D57B5}" dt="2021-10-30T09:51:48.589" v="3" actId="1076"/>
+          <ac:picMkLst>
+            <pc:docMk/>
+            <pc:sldMk cId="648684463" sldId="267"/>
+            <ac:picMk id="2" creationId="{DA39D9F8-74A3-49F9-AE3A-4570268C4612}"/>
+          </ac:picMkLst>
+        </pc:picChg>
       </pc:sldChg>
     </pc:docChg>
   </pc:docChgLst>
@@ -3095,7 +3120,7 @@
           <a:p>
             <a:fld id="{2E2F62F8-06F6-4BBF-B973-0ACF951E6A86}" type="datetimeFigureOut">
               <a:rPr lang="it-IT" smtClean="0"/>
-              <a:t>28/10/21</a:t>
+              <a:t>30/10/2021</a:t>
             </a:fld>
             <a:endParaRPr lang="it-IT"/>
           </a:p>
@@ -3510,7 +3535,7 @@
             <a:fld id="{76969C88-B244-455D-A017-012B25B1ACDD}" type="datetimeFigureOut">
               <a:rPr lang="en-US" smtClean="0"/>
               <a:pPr/>
-              <a:t>10/28/21</a:t>
+              <a:t>10/30/2021</a:t>
             </a:fld>
             <a:endParaRPr lang="en-US"/>
           </a:p>
@@ -3710,7 +3735,7 @@
             <a:fld id="{76969C88-B244-455D-A017-012B25B1ACDD}" type="datetimeFigureOut">
               <a:rPr lang="en-US" smtClean="0"/>
               <a:pPr/>
-              <a:t>10/28/21</a:t>
+              <a:t>10/30/2021</a:t>
             </a:fld>
             <a:endParaRPr lang="en-US"/>
           </a:p>
@@ -3920,7 +3945,7 @@
             <a:fld id="{76969C88-B244-455D-A017-012B25B1ACDD}" type="datetimeFigureOut">
               <a:rPr lang="en-US" smtClean="0"/>
               <a:pPr/>
-              <a:t>10/28/21</a:t>
+              <a:t>10/30/2021</a:t>
             </a:fld>
             <a:endParaRPr lang="en-US"/>
           </a:p>
@@ -4240,7 +4265,7 @@
             <a:fld id="{76969C88-B244-455D-A017-012B25B1ACDD}" type="datetimeFigureOut">
               <a:rPr lang="en-US" smtClean="0"/>
               <a:pPr/>
-              <a:t>10/28/21</a:t>
+              <a:t>10/30/2021</a:t>
             </a:fld>
             <a:endParaRPr lang="en-US"/>
           </a:p>
@@ -4493,7 +4518,7 @@
             <a:fld id="{76969C88-B244-455D-A017-012B25B1ACDD}" type="datetimeFigureOut">
               <a:rPr lang="en-US" smtClean="0"/>
               <a:pPr/>
-              <a:t>10/28/21</a:t>
+              <a:t>10/30/2021</a:t>
             </a:fld>
             <a:endParaRPr lang="en-US"/>
           </a:p>
@@ -4802,7 +4827,7 @@
             <a:fld id="{76969C88-B244-455D-A017-012B25B1ACDD}" type="datetimeFigureOut">
               <a:rPr lang="en-US" smtClean="0"/>
               <a:pPr/>
-              <a:t>10/28/21</a:t>
+              <a:t>10/30/2021</a:t>
             </a:fld>
             <a:endParaRPr lang="en-US"/>
           </a:p>
@@ -5106,7 +5131,7 @@
             <a:fld id="{76969C88-B244-455D-A017-012B25B1ACDD}" type="datetimeFigureOut">
               <a:rPr lang="en-US" smtClean="0"/>
               <a:pPr/>
-              <a:t>10/28/21</a:t>
+              <a:t>10/30/2021</a:t>
             </a:fld>
             <a:endParaRPr lang="en-US"/>
           </a:p>
@@ -5535,7 +5560,7 @@
             <a:fld id="{76969C88-B244-455D-A017-012B25B1ACDD}" type="datetimeFigureOut">
               <a:rPr lang="en-US" smtClean="0"/>
               <a:pPr/>
-              <a:t>10/28/21</a:t>
+              <a:t>10/30/2021</a:t>
             </a:fld>
             <a:endParaRPr lang="en-US"/>
           </a:p>
@@ -5637,7 +5662,7 @@
             <a:fld id="{76969C88-B244-455D-A017-012B25B1ACDD}" type="datetimeFigureOut">
               <a:rPr lang="en-US" smtClean="0"/>
               <a:pPr/>
-              <a:t>10/28/21</a:t>
+              <a:t>10/30/2021</a:t>
             </a:fld>
             <a:endParaRPr lang="en-US"/>
           </a:p>
@@ -5801,7 +5826,7 @@
             <a:fld id="{76969C88-B244-455D-A017-012B25B1ACDD}" type="datetimeFigureOut">
               <a:rPr lang="en-US" smtClean="0"/>
               <a:pPr/>
-              <a:t>10/28/21</a:t>
+              <a:t>10/30/2021</a:t>
             </a:fld>
             <a:endParaRPr lang="en-US"/>
           </a:p>
@@ -6181,7 +6206,7 @@
             <a:fld id="{76969C88-B244-455D-A017-012B25B1ACDD}" type="datetimeFigureOut">
               <a:rPr lang="en-US" smtClean="0"/>
               <a:pPr/>
-              <a:t>10/28/21</a:t>
+              <a:t>10/30/2021</a:t>
             </a:fld>
             <a:endParaRPr lang="en-US"/>
           </a:p>
@@ -6396,7 +6421,7 @@
             <a:fld id="{76969C88-B244-455D-A017-012B25B1ACDD}" type="datetimeFigureOut">
               <a:rPr lang="en-US" smtClean="0"/>
               <a:pPr/>
-              <a:t>10/28/21</a:t>
+              <a:t>10/30/2021</a:t>
             </a:fld>
             <a:endParaRPr lang="en-US"/>
           </a:p>
@@ -6677,7 +6702,7 @@
             <a:fld id="{76969C88-B244-455D-A017-012B25B1ACDD}" type="datetimeFigureOut">
               <a:rPr lang="en-US" smtClean="0"/>
               <a:pPr/>
-              <a:t>10/28/21</a:t>
+              <a:t>10/30/2021</a:t>
             </a:fld>
             <a:endParaRPr lang="en-US"/>
           </a:p>
@@ -6909,7 +6934,7 @@
             <a:fld id="{76969C88-B244-455D-A017-012B25B1ACDD}" type="datetimeFigureOut">
               <a:rPr lang="en-US" smtClean="0"/>
               <a:pPr/>
-              <a:t>10/28/21</a:t>
+              <a:t>10/30/2021</a:t>
             </a:fld>
             <a:endParaRPr lang="en-US"/>
           </a:p>
@@ -7146,7 +7171,7 @@
             <a:fld id="{76969C88-B244-455D-A017-012B25B1ACDD}" type="datetimeFigureOut">
               <a:rPr lang="en-US" smtClean="0"/>
               <a:pPr/>
-              <a:t>10/28/21</a:t>
+              <a:t>10/30/2021</a:t>
             </a:fld>
             <a:endParaRPr lang="en-US"/>
           </a:p>
@@ -7432,7 +7457,7 @@
             <a:fld id="{76969C88-B244-455D-A017-012B25B1ACDD}" type="datetimeFigureOut">
               <a:rPr lang="en-US" smtClean="0"/>
               <a:pPr/>
-              <a:t>10/28/21</a:t>
+              <a:t>10/30/2021</a:t>
             </a:fld>
             <a:endParaRPr lang="en-US"/>
           </a:p>
@@ -7699,7 +7724,7 @@
             <a:fld id="{76969C88-B244-455D-A017-012B25B1ACDD}" type="datetimeFigureOut">
               <a:rPr lang="en-US" smtClean="0"/>
               <a:pPr/>
-              <a:t>10/28/21</a:t>
+              <a:t>10/30/2021</a:t>
             </a:fld>
             <a:endParaRPr lang="en-US"/>
           </a:p>
@@ -8113,7 +8138,7 @@
             <a:fld id="{76969C88-B244-455D-A017-012B25B1ACDD}" type="datetimeFigureOut">
               <a:rPr lang="en-US" smtClean="0"/>
               <a:pPr/>
-              <a:t>10/28/21</a:t>
+              <a:t>10/30/2021</a:t>
             </a:fld>
             <a:endParaRPr lang="en-US"/>
           </a:p>
@@ -8256,7 +8281,7 @@
             <a:fld id="{76969C88-B244-455D-A017-012B25B1ACDD}" type="datetimeFigureOut">
               <a:rPr lang="en-US" smtClean="0"/>
               <a:pPr/>
-              <a:t>10/28/21</a:t>
+              <a:t>10/30/2021</a:t>
             </a:fld>
             <a:endParaRPr lang="en-US"/>
           </a:p>
@@ -8371,7 +8396,7 @@
             <a:fld id="{76969C88-B244-455D-A017-012B25B1ACDD}" type="datetimeFigureOut">
               <a:rPr lang="en-US" smtClean="0"/>
               <a:pPr/>
-              <a:t>10/28/21</a:t>
+              <a:t>10/30/2021</a:t>
             </a:fld>
             <a:endParaRPr lang="en-US"/>
           </a:p>
@@ -8684,7 +8709,7 @@
             <a:fld id="{76969C88-B244-455D-A017-012B25B1ACDD}" type="datetimeFigureOut">
               <a:rPr lang="en-US" smtClean="0"/>
               <a:pPr/>
-              <a:t>10/28/21</a:t>
+              <a:t>10/30/2021</a:t>
             </a:fld>
             <a:endParaRPr lang="en-US"/>
           </a:p>
@@ -8974,7 +8999,7 @@
             <a:fld id="{76969C88-B244-455D-A017-012B25B1ACDD}" type="datetimeFigureOut">
               <a:rPr lang="en-US" smtClean="0"/>
               <a:pPr/>
-              <a:t>10/28/21</a:t>
+              <a:t>10/30/2021</a:t>
             </a:fld>
             <a:endParaRPr lang="en-US"/>
           </a:p>
@@ -9217,7 +9242,7 @@
             <a:fld id="{76969C88-B244-455D-A017-012B25B1ACDD}" type="datetimeFigureOut">
               <a:rPr lang="en-US" smtClean="0"/>
               <a:pPr/>
-              <a:t>10/28/21</a:t>
+              <a:t>10/30/2021</a:t>
             </a:fld>
             <a:endParaRPr lang="en-US"/>
           </a:p>
@@ -9769,7 +9794,7 @@
             <a:fld id="{76969C88-B244-455D-A017-012B25B1ACDD}" type="datetimeFigureOut">
               <a:rPr lang="en-US" smtClean="0"/>
               <a:pPr/>
-              <a:t>10/28/21</a:t>
+              <a:t>10/30/2021</a:t>
             </a:fld>
             <a:endParaRPr lang="en-US"/>
           </a:p>
@@ -12977,10 +13002,9 @@
           <a:lstStyle/>
           <a:p>
             <a:r>
-              <a:rPr lang="it-IT"/>
+              <a:rPr lang="it-IT" dirty="0"/>
               <a:t>S’</a:t>
             </a:r>
-            <a:endParaRPr lang="it-IT" dirty="0"/>
           </a:p>
         </p:txBody>
       </p:sp>
@@ -17385,6 +17409,723 @@
   <p:clrMapOvr>
     <a:masterClrMapping/>
   </p:clrMapOvr>
+  <p:timing>
+    <p:tnLst>
+      <p:par>
+        <p:cTn id="1" dur="indefinite" restart="never" nodeType="tmRoot">
+          <p:childTnLst>
+            <p:seq concurrent="1" nextAc="seek">
+              <p:cTn id="2" dur="indefinite" nodeType="mainSeq">
+                <p:childTnLst>
+                  <p:par>
+                    <p:cTn id="3" fill="hold">
+                      <p:stCondLst>
+                        <p:cond delay="indefinite"/>
+                      </p:stCondLst>
+                      <p:childTnLst>
+                        <p:par>
+                          <p:cTn id="4" fill="hold">
+                            <p:stCondLst>
+                              <p:cond delay="0"/>
+                            </p:stCondLst>
+                            <p:childTnLst>
+                              <p:par>
+                                <p:cTn id="5" presetID="2" presetClass="entr" presetSubtype="4" fill="hold" grpId="0" nodeType="clickEffect">
+                                  <p:stCondLst>
+                                    <p:cond delay="0"/>
+                                  </p:stCondLst>
+                                  <p:childTnLst>
+                                    <p:set>
+                                      <p:cBhvr>
+                                        <p:cTn id="6" dur="1" fill="hold">
+                                          <p:stCondLst>
+                                            <p:cond delay="0"/>
+                                          </p:stCondLst>
+                                        </p:cTn>
+                                        <p:tgtEl>
+                                          <p:spTgt spid="13"/>
+                                        </p:tgtEl>
+                                        <p:attrNameLst>
+                                          <p:attrName>style.visibility</p:attrName>
+                                        </p:attrNameLst>
+                                      </p:cBhvr>
+                                      <p:to>
+                                        <p:strVal val="visible"/>
+                                      </p:to>
+                                    </p:set>
+                                    <p:anim calcmode="lin" valueType="num">
+                                      <p:cBhvr additive="base">
+                                        <p:cTn id="7" dur="500" fill="hold"/>
+                                        <p:tgtEl>
+                                          <p:spTgt spid="13"/>
+                                        </p:tgtEl>
+                                        <p:attrNameLst>
+                                          <p:attrName>ppt_x</p:attrName>
+                                        </p:attrNameLst>
+                                      </p:cBhvr>
+                                      <p:tavLst>
+                                        <p:tav tm="0">
+                                          <p:val>
+                                            <p:strVal val="#ppt_x"/>
+                                          </p:val>
+                                        </p:tav>
+                                        <p:tav tm="100000">
+                                          <p:val>
+                                            <p:strVal val="#ppt_x"/>
+                                          </p:val>
+                                        </p:tav>
+                                      </p:tavLst>
+                                    </p:anim>
+                                    <p:anim calcmode="lin" valueType="num">
+                                      <p:cBhvr additive="base">
+                                        <p:cTn id="8" dur="500" fill="hold"/>
+                                        <p:tgtEl>
+                                          <p:spTgt spid="13"/>
+                                        </p:tgtEl>
+                                        <p:attrNameLst>
+                                          <p:attrName>ppt_y</p:attrName>
+                                        </p:attrNameLst>
+                                      </p:cBhvr>
+                                      <p:tavLst>
+                                        <p:tav tm="0">
+                                          <p:val>
+                                            <p:strVal val="1+#ppt_h/2"/>
+                                          </p:val>
+                                        </p:tav>
+                                        <p:tav tm="100000">
+                                          <p:val>
+                                            <p:strVal val="#ppt_y"/>
+                                          </p:val>
+                                        </p:tav>
+                                      </p:tavLst>
+                                    </p:anim>
+                                  </p:childTnLst>
+                                </p:cTn>
+                              </p:par>
+                            </p:childTnLst>
+                          </p:cTn>
+                        </p:par>
+                      </p:childTnLst>
+                    </p:cTn>
+                  </p:par>
+                  <p:par>
+                    <p:cTn id="9" fill="hold">
+                      <p:stCondLst>
+                        <p:cond delay="indefinite"/>
+                      </p:stCondLst>
+                      <p:childTnLst>
+                        <p:par>
+                          <p:cTn id="10" fill="hold">
+                            <p:stCondLst>
+                              <p:cond delay="0"/>
+                            </p:stCondLst>
+                            <p:childTnLst>
+                              <p:par>
+                                <p:cTn id="11" presetID="1" presetClass="entr" presetSubtype="0" fill="hold" nodeType="clickEffect">
+                                  <p:stCondLst>
+                                    <p:cond delay="0"/>
+                                  </p:stCondLst>
+                                  <p:childTnLst>
+                                    <p:set>
+                                      <p:cBhvr>
+                                        <p:cTn id="12" dur="1" fill="hold">
+                                          <p:stCondLst>
+                                            <p:cond delay="0"/>
+                                          </p:stCondLst>
+                                        </p:cTn>
+                                        <p:tgtEl>
+                                          <p:spTgt spid="14"/>
+                                        </p:tgtEl>
+                                        <p:attrNameLst>
+                                          <p:attrName>style.visibility</p:attrName>
+                                        </p:attrNameLst>
+                                      </p:cBhvr>
+                                      <p:to>
+                                        <p:strVal val="visible"/>
+                                      </p:to>
+                                    </p:set>
+                                  </p:childTnLst>
+                                </p:cTn>
+                              </p:par>
+                            </p:childTnLst>
+                          </p:cTn>
+                        </p:par>
+                      </p:childTnLst>
+                    </p:cTn>
+                  </p:par>
+                  <p:par>
+                    <p:cTn id="13" fill="hold">
+                      <p:stCondLst>
+                        <p:cond delay="indefinite"/>
+                      </p:stCondLst>
+                      <p:childTnLst>
+                        <p:par>
+                          <p:cTn id="14" fill="hold">
+                            <p:stCondLst>
+                              <p:cond delay="0"/>
+                            </p:stCondLst>
+                            <p:childTnLst>
+                              <p:par>
+                                <p:cTn id="15" presetID="1" presetClass="entr" presetSubtype="0" fill="hold" nodeType="clickEffect">
+                                  <p:stCondLst>
+                                    <p:cond delay="0"/>
+                                  </p:stCondLst>
+                                  <p:childTnLst>
+                                    <p:set>
+                                      <p:cBhvr>
+                                        <p:cTn id="16" dur="1" fill="hold">
+                                          <p:stCondLst>
+                                            <p:cond delay="0"/>
+                                          </p:stCondLst>
+                                        </p:cTn>
+                                        <p:tgtEl>
+                                          <p:spTgt spid="22"/>
+                                        </p:tgtEl>
+                                        <p:attrNameLst>
+                                          <p:attrName>style.visibility</p:attrName>
+                                        </p:attrNameLst>
+                                      </p:cBhvr>
+                                      <p:to>
+                                        <p:strVal val="visible"/>
+                                      </p:to>
+                                    </p:set>
+                                  </p:childTnLst>
+                                </p:cTn>
+                              </p:par>
+                            </p:childTnLst>
+                          </p:cTn>
+                        </p:par>
+                      </p:childTnLst>
+                    </p:cTn>
+                  </p:par>
+                  <p:par>
+                    <p:cTn id="17" fill="hold">
+                      <p:stCondLst>
+                        <p:cond delay="indefinite"/>
+                      </p:stCondLst>
+                      <p:childTnLst>
+                        <p:par>
+                          <p:cTn id="18" fill="hold">
+                            <p:stCondLst>
+                              <p:cond delay="0"/>
+                            </p:stCondLst>
+                            <p:childTnLst>
+                              <p:par>
+                                <p:cTn id="19" presetID="1" presetClass="entr" presetSubtype="0" fill="hold" nodeType="clickEffect">
+                                  <p:stCondLst>
+                                    <p:cond delay="0"/>
+                                  </p:stCondLst>
+                                  <p:childTnLst>
+                                    <p:set>
+                                      <p:cBhvr>
+                                        <p:cTn id="20" dur="1" fill="hold">
+                                          <p:stCondLst>
+                                            <p:cond delay="0"/>
+                                          </p:stCondLst>
+                                        </p:cTn>
+                                        <p:tgtEl>
+                                          <p:spTgt spid="23"/>
+                                        </p:tgtEl>
+                                        <p:attrNameLst>
+                                          <p:attrName>style.visibility</p:attrName>
+                                        </p:attrNameLst>
+                                      </p:cBhvr>
+                                      <p:to>
+                                        <p:strVal val="visible"/>
+                                      </p:to>
+                                    </p:set>
+                                  </p:childTnLst>
+                                </p:cTn>
+                              </p:par>
+                            </p:childTnLst>
+                          </p:cTn>
+                        </p:par>
+                      </p:childTnLst>
+                    </p:cTn>
+                  </p:par>
+                  <p:par>
+                    <p:cTn id="21" fill="hold">
+                      <p:stCondLst>
+                        <p:cond delay="indefinite"/>
+                      </p:stCondLst>
+                      <p:childTnLst>
+                        <p:par>
+                          <p:cTn id="22" fill="hold">
+                            <p:stCondLst>
+                              <p:cond delay="0"/>
+                            </p:stCondLst>
+                            <p:childTnLst>
+                              <p:par>
+                                <p:cTn id="23" presetID="1" presetClass="entr" presetSubtype="0" fill="hold" nodeType="clickEffect">
+                                  <p:stCondLst>
+                                    <p:cond delay="0"/>
+                                  </p:stCondLst>
+                                  <p:childTnLst>
+                                    <p:set>
+                                      <p:cBhvr>
+                                        <p:cTn id="24" dur="1" fill="hold">
+                                          <p:stCondLst>
+                                            <p:cond delay="0"/>
+                                          </p:stCondLst>
+                                        </p:cTn>
+                                        <p:tgtEl>
+                                          <p:spTgt spid="33"/>
+                                        </p:tgtEl>
+                                        <p:attrNameLst>
+                                          <p:attrName>style.visibility</p:attrName>
+                                        </p:attrNameLst>
+                                      </p:cBhvr>
+                                      <p:to>
+                                        <p:strVal val="visible"/>
+                                      </p:to>
+                                    </p:set>
+                                  </p:childTnLst>
+                                </p:cTn>
+                              </p:par>
+                            </p:childTnLst>
+                          </p:cTn>
+                        </p:par>
+                      </p:childTnLst>
+                    </p:cTn>
+                  </p:par>
+                  <p:par>
+                    <p:cTn id="25" fill="hold">
+                      <p:stCondLst>
+                        <p:cond delay="indefinite"/>
+                      </p:stCondLst>
+                      <p:childTnLst>
+                        <p:par>
+                          <p:cTn id="26" fill="hold">
+                            <p:stCondLst>
+                              <p:cond delay="0"/>
+                            </p:stCondLst>
+                            <p:childTnLst>
+                              <p:par>
+                                <p:cTn id="27" presetID="1" presetClass="entr" presetSubtype="0" fill="hold" nodeType="clickEffect">
+                                  <p:stCondLst>
+                                    <p:cond delay="0"/>
+                                  </p:stCondLst>
+                                  <p:childTnLst>
+                                    <p:set>
+                                      <p:cBhvr>
+                                        <p:cTn id="28" dur="1" fill="hold">
+                                          <p:stCondLst>
+                                            <p:cond delay="0"/>
+                                          </p:stCondLst>
+                                        </p:cTn>
+                                        <p:tgtEl>
+                                          <p:spTgt spid="37"/>
+                                        </p:tgtEl>
+                                        <p:attrNameLst>
+                                          <p:attrName>style.visibility</p:attrName>
+                                        </p:attrNameLst>
+                                      </p:cBhvr>
+                                      <p:to>
+                                        <p:strVal val="visible"/>
+                                      </p:to>
+                                    </p:set>
+                                  </p:childTnLst>
+                                </p:cTn>
+                              </p:par>
+                            </p:childTnLst>
+                          </p:cTn>
+                        </p:par>
+                      </p:childTnLst>
+                    </p:cTn>
+                  </p:par>
+                  <p:par>
+                    <p:cTn id="29" fill="hold">
+                      <p:stCondLst>
+                        <p:cond delay="indefinite"/>
+                      </p:stCondLst>
+                      <p:childTnLst>
+                        <p:par>
+                          <p:cTn id="30" fill="hold">
+                            <p:stCondLst>
+                              <p:cond delay="0"/>
+                            </p:stCondLst>
+                            <p:childTnLst>
+                              <p:par>
+                                <p:cTn id="31" presetID="2" presetClass="entr" presetSubtype="4" fill="hold" grpId="0" nodeType="clickEffect">
+                                  <p:stCondLst>
+                                    <p:cond delay="0"/>
+                                  </p:stCondLst>
+                                  <p:childTnLst>
+                                    <p:set>
+                                      <p:cBhvr>
+                                        <p:cTn id="32" dur="1" fill="hold">
+                                          <p:stCondLst>
+                                            <p:cond delay="0"/>
+                                          </p:stCondLst>
+                                        </p:cTn>
+                                        <p:tgtEl>
+                                          <p:spTgt spid="39"/>
+                                        </p:tgtEl>
+                                        <p:attrNameLst>
+                                          <p:attrName>style.visibility</p:attrName>
+                                        </p:attrNameLst>
+                                      </p:cBhvr>
+                                      <p:to>
+                                        <p:strVal val="visible"/>
+                                      </p:to>
+                                    </p:set>
+                                    <p:anim calcmode="lin" valueType="num">
+                                      <p:cBhvr additive="base">
+                                        <p:cTn id="33" dur="500" fill="hold"/>
+                                        <p:tgtEl>
+                                          <p:spTgt spid="39"/>
+                                        </p:tgtEl>
+                                        <p:attrNameLst>
+                                          <p:attrName>ppt_x</p:attrName>
+                                        </p:attrNameLst>
+                                      </p:cBhvr>
+                                      <p:tavLst>
+                                        <p:tav tm="0">
+                                          <p:val>
+                                            <p:strVal val="#ppt_x"/>
+                                          </p:val>
+                                        </p:tav>
+                                        <p:tav tm="100000">
+                                          <p:val>
+                                            <p:strVal val="#ppt_x"/>
+                                          </p:val>
+                                        </p:tav>
+                                      </p:tavLst>
+                                    </p:anim>
+                                    <p:anim calcmode="lin" valueType="num">
+                                      <p:cBhvr additive="base">
+                                        <p:cTn id="34" dur="500" fill="hold"/>
+                                        <p:tgtEl>
+                                          <p:spTgt spid="39"/>
+                                        </p:tgtEl>
+                                        <p:attrNameLst>
+                                          <p:attrName>ppt_y</p:attrName>
+                                        </p:attrNameLst>
+                                      </p:cBhvr>
+                                      <p:tavLst>
+                                        <p:tav tm="0">
+                                          <p:val>
+                                            <p:strVal val="1+#ppt_h/2"/>
+                                          </p:val>
+                                        </p:tav>
+                                        <p:tav tm="100000">
+                                          <p:val>
+                                            <p:strVal val="#ppt_y"/>
+                                          </p:val>
+                                        </p:tav>
+                                      </p:tavLst>
+                                    </p:anim>
+                                  </p:childTnLst>
+                                </p:cTn>
+                              </p:par>
+                            </p:childTnLst>
+                          </p:cTn>
+                        </p:par>
+                      </p:childTnLst>
+                    </p:cTn>
+                  </p:par>
+                  <p:par>
+                    <p:cTn id="35" fill="hold">
+                      <p:stCondLst>
+                        <p:cond delay="indefinite"/>
+                      </p:stCondLst>
+                      <p:childTnLst>
+                        <p:par>
+                          <p:cTn id="36" fill="hold">
+                            <p:stCondLst>
+                              <p:cond delay="0"/>
+                            </p:stCondLst>
+                            <p:childTnLst>
+                              <p:par>
+                                <p:cTn id="37" presetID="2" presetClass="entr" presetSubtype="4" fill="hold" grpId="0" nodeType="clickEffect">
+                                  <p:stCondLst>
+                                    <p:cond delay="0"/>
+                                  </p:stCondLst>
+                                  <p:childTnLst>
+                                    <p:set>
+                                      <p:cBhvr>
+                                        <p:cTn id="38" dur="1" fill="hold">
+                                          <p:stCondLst>
+                                            <p:cond delay="0"/>
+                                          </p:stCondLst>
+                                        </p:cTn>
+                                        <p:tgtEl>
+                                          <p:spTgt spid="59"/>
+                                        </p:tgtEl>
+                                        <p:attrNameLst>
+                                          <p:attrName>style.visibility</p:attrName>
+                                        </p:attrNameLst>
+                                      </p:cBhvr>
+                                      <p:to>
+                                        <p:strVal val="visible"/>
+                                      </p:to>
+                                    </p:set>
+                                    <p:anim calcmode="lin" valueType="num">
+                                      <p:cBhvr additive="base">
+                                        <p:cTn id="39" dur="500" fill="hold"/>
+                                        <p:tgtEl>
+                                          <p:spTgt spid="59"/>
+                                        </p:tgtEl>
+                                        <p:attrNameLst>
+                                          <p:attrName>ppt_x</p:attrName>
+                                        </p:attrNameLst>
+                                      </p:cBhvr>
+                                      <p:tavLst>
+                                        <p:tav tm="0">
+                                          <p:val>
+                                            <p:strVal val="#ppt_x"/>
+                                          </p:val>
+                                        </p:tav>
+                                        <p:tav tm="100000">
+                                          <p:val>
+                                            <p:strVal val="#ppt_x"/>
+                                          </p:val>
+                                        </p:tav>
+                                      </p:tavLst>
+                                    </p:anim>
+                                    <p:anim calcmode="lin" valueType="num">
+                                      <p:cBhvr additive="base">
+                                        <p:cTn id="40" dur="500" fill="hold"/>
+                                        <p:tgtEl>
+                                          <p:spTgt spid="59"/>
+                                        </p:tgtEl>
+                                        <p:attrNameLst>
+                                          <p:attrName>ppt_y</p:attrName>
+                                        </p:attrNameLst>
+                                      </p:cBhvr>
+                                      <p:tavLst>
+                                        <p:tav tm="0">
+                                          <p:val>
+                                            <p:strVal val="1+#ppt_h/2"/>
+                                          </p:val>
+                                        </p:tav>
+                                        <p:tav tm="100000">
+                                          <p:val>
+                                            <p:strVal val="#ppt_y"/>
+                                          </p:val>
+                                        </p:tav>
+                                      </p:tavLst>
+                                    </p:anim>
+                                  </p:childTnLst>
+                                </p:cTn>
+                              </p:par>
+                            </p:childTnLst>
+                          </p:cTn>
+                        </p:par>
+                      </p:childTnLst>
+                    </p:cTn>
+                  </p:par>
+                  <p:par>
+                    <p:cTn id="41" fill="hold">
+                      <p:stCondLst>
+                        <p:cond delay="indefinite"/>
+                      </p:stCondLst>
+                      <p:childTnLst>
+                        <p:par>
+                          <p:cTn id="42" fill="hold">
+                            <p:stCondLst>
+                              <p:cond delay="0"/>
+                            </p:stCondLst>
+                            <p:childTnLst>
+                              <p:par>
+                                <p:cTn id="43" presetID="2" presetClass="entr" presetSubtype="4" fill="hold" grpId="0" nodeType="clickEffect">
+                                  <p:stCondLst>
+                                    <p:cond delay="0"/>
+                                  </p:stCondLst>
+                                  <p:childTnLst>
+                                    <p:set>
+                                      <p:cBhvr>
+                                        <p:cTn id="44" dur="1" fill="hold">
+                                          <p:stCondLst>
+                                            <p:cond delay="0"/>
+                                          </p:stCondLst>
+                                        </p:cTn>
+                                        <p:tgtEl>
+                                          <p:spTgt spid="60"/>
+                                        </p:tgtEl>
+                                        <p:attrNameLst>
+                                          <p:attrName>style.visibility</p:attrName>
+                                        </p:attrNameLst>
+                                      </p:cBhvr>
+                                      <p:to>
+                                        <p:strVal val="visible"/>
+                                      </p:to>
+                                    </p:set>
+                                    <p:anim calcmode="lin" valueType="num">
+                                      <p:cBhvr additive="base">
+                                        <p:cTn id="45" dur="500" fill="hold"/>
+                                        <p:tgtEl>
+                                          <p:spTgt spid="60"/>
+                                        </p:tgtEl>
+                                        <p:attrNameLst>
+                                          <p:attrName>ppt_x</p:attrName>
+                                        </p:attrNameLst>
+                                      </p:cBhvr>
+                                      <p:tavLst>
+                                        <p:tav tm="0">
+                                          <p:val>
+                                            <p:strVal val="#ppt_x"/>
+                                          </p:val>
+                                        </p:tav>
+                                        <p:tav tm="100000">
+                                          <p:val>
+                                            <p:strVal val="#ppt_x"/>
+                                          </p:val>
+                                        </p:tav>
+                                      </p:tavLst>
+                                    </p:anim>
+                                    <p:anim calcmode="lin" valueType="num">
+                                      <p:cBhvr additive="base">
+                                        <p:cTn id="46" dur="500" fill="hold"/>
+                                        <p:tgtEl>
+                                          <p:spTgt spid="60"/>
+                                        </p:tgtEl>
+                                        <p:attrNameLst>
+                                          <p:attrName>ppt_y</p:attrName>
+                                        </p:attrNameLst>
+                                      </p:cBhvr>
+                                      <p:tavLst>
+                                        <p:tav tm="0">
+                                          <p:val>
+                                            <p:strVal val="1+#ppt_h/2"/>
+                                          </p:val>
+                                        </p:tav>
+                                        <p:tav tm="100000">
+                                          <p:val>
+                                            <p:strVal val="#ppt_y"/>
+                                          </p:val>
+                                        </p:tav>
+                                      </p:tavLst>
+                                    </p:anim>
+                                  </p:childTnLst>
+                                </p:cTn>
+                              </p:par>
+                            </p:childTnLst>
+                          </p:cTn>
+                        </p:par>
+                      </p:childTnLst>
+                    </p:cTn>
+                  </p:par>
+                  <p:par>
+                    <p:cTn id="47" fill="hold">
+                      <p:stCondLst>
+                        <p:cond delay="indefinite"/>
+                      </p:stCondLst>
+                      <p:childTnLst>
+                        <p:par>
+                          <p:cTn id="48" fill="hold">
+                            <p:stCondLst>
+                              <p:cond delay="0"/>
+                            </p:stCondLst>
+                            <p:childTnLst>
+                              <p:par>
+                                <p:cTn id="49" presetID="2" presetClass="entr" presetSubtype="4" fill="hold" grpId="0" nodeType="clickEffect">
+                                  <p:stCondLst>
+                                    <p:cond delay="0"/>
+                                  </p:stCondLst>
+                                  <p:childTnLst>
+                                    <p:set>
+                                      <p:cBhvr>
+                                        <p:cTn id="50" dur="1" fill="hold">
+                                          <p:stCondLst>
+                                            <p:cond delay="0"/>
+                                          </p:stCondLst>
+                                        </p:cTn>
+                                        <p:tgtEl>
+                                          <p:spTgt spid="62"/>
+                                        </p:tgtEl>
+                                        <p:attrNameLst>
+                                          <p:attrName>style.visibility</p:attrName>
+                                        </p:attrNameLst>
+                                      </p:cBhvr>
+                                      <p:to>
+                                        <p:strVal val="visible"/>
+                                      </p:to>
+                                    </p:set>
+                                    <p:anim calcmode="lin" valueType="num">
+                                      <p:cBhvr additive="base">
+                                        <p:cTn id="51" dur="500" fill="hold"/>
+                                        <p:tgtEl>
+                                          <p:spTgt spid="62"/>
+                                        </p:tgtEl>
+                                        <p:attrNameLst>
+                                          <p:attrName>ppt_x</p:attrName>
+                                        </p:attrNameLst>
+                                      </p:cBhvr>
+                                      <p:tavLst>
+                                        <p:tav tm="0">
+                                          <p:val>
+                                            <p:strVal val="#ppt_x"/>
+                                          </p:val>
+                                        </p:tav>
+                                        <p:tav tm="100000">
+                                          <p:val>
+                                            <p:strVal val="#ppt_x"/>
+                                          </p:val>
+                                        </p:tav>
+                                      </p:tavLst>
+                                    </p:anim>
+                                    <p:anim calcmode="lin" valueType="num">
+                                      <p:cBhvr additive="base">
+                                        <p:cTn id="52" dur="500" fill="hold"/>
+                                        <p:tgtEl>
+                                          <p:spTgt spid="62"/>
+                                        </p:tgtEl>
+                                        <p:attrNameLst>
+                                          <p:attrName>ppt_y</p:attrName>
+                                        </p:attrNameLst>
+                                      </p:cBhvr>
+                                      <p:tavLst>
+                                        <p:tav tm="0">
+                                          <p:val>
+                                            <p:strVal val="1+#ppt_h/2"/>
+                                          </p:val>
+                                        </p:tav>
+                                        <p:tav tm="100000">
+                                          <p:val>
+                                            <p:strVal val="#ppt_y"/>
+                                          </p:val>
+                                        </p:tav>
+                                      </p:tavLst>
+                                    </p:anim>
+                                  </p:childTnLst>
+                                </p:cTn>
+                              </p:par>
+                            </p:childTnLst>
+                          </p:cTn>
+                        </p:par>
+                      </p:childTnLst>
+                    </p:cTn>
+                  </p:par>
+                </p:childTnLst>
+              </p:cTn>
+              <p:prevCondLst>
+                <p:cond evt="onPrev" delay="0">
+                  <p:tgtEl>
+                    <p:sldTgt/>
+                  </p:tgtEl>
+                </p:cond>
+              </p:prevCondLst>
+              <p:nextCondLst>
+                <p:cond evt="onNext" delay="0">
+                  <p:tgtEl>
+                    <p:sldTgt/>
+                  </p:tgtEl>
+                </p:cond>
+              </p:nextCondLst>
+            </p:seq>
+          </p:childTnLst>
+        </p:cTn>
+      </p:par>
+    </p:tnLst>
+    <p:bldLst>
+      <p:bldP spid="13" grpId="0"/>
+      <p:bldP spid="39" grpId="0"/>
+      <p:bldP spid="59" grpId="0"/>
+      <p:bldP spid="60" grpId="0"/>
+      <p:bldP spid="62" grpId="0"/>
+    </p:bldLst>
+  </p:timing>
 </p:sld>
 </file>
 
@@ -18257,9 +18998,10 @@
 </file>
 
 <file path=customXml/item2.xml><?xml version="1.0" encoding="utf-8"?>
-<ct:contentTypeSchema xmlns:ct="http://schemas.microsoft.com/office/2006/metadata/contentType" xmlns:ma="http://schemas.microsoft.com/office/2006/metadata/properties/metaAttributes" ct:_="" ma:_="" ma:contentTypeName="Documento" ma:contentTypeID="0x010100F597B2CC0A46AC4F9AEEC319A5D986DD" ma:contentTypeVersion="4" ma:contentTypeDescription="Creare un nuovo documento." ma:contentTypeScope="" ma:versionID="da8d79b2f0650a92ad0f8e39ec8444da">
-  <xsd:schema xmlns:xsd="http://www.w3.org/2001/XMLSchema" xmlns:xs="http://www.w3.org/2001/XMLSchema" xmlns:p="http://schemas.microsoft.com/office/2006/metadata/properties" xmlns:ns2="3db59c47-87aa-4831-b38a-f5382a46a091" targetNamespace="http://schemas.microsoft.com/office/2006/metadata/properties" ma:root="true" ma:fieldsID="b0ef70af52b68490fa3ff423a777f11f" ns2:_="">
-    <xsd:import namespace="3db59c47-87aa-4831-b38a-f5382a46a091"/>
+<ct:contentTypeSchema xmlns:ct="http://schemas.microsoft.com/office/2006/metadata/contentType" xmlns:ma="http://schemas.microsoft.com/office/2006/metadata/properties/metaAttributes" ct:_="" ma:_="" ma:contentTypeName="Document" ma:contentTypeID="0x0101003FB44DC2FB1CDB499C1AF3EAAE58F67C" ma:contentTypeVersion="7" ma:contentTypeDescription="Create a new document." ma:contentTypeScope="" ma:versionID="23c5e102ca2fcba840b1b50264c2bf0e">
+  <xsd:schema xmlns:xsd="http://www.w3.org/2001/XMLSchema" xmlns:xs="http://www.w3.org/2001/XMLSchema" xmlns:p="http://schemas.microsoft.com/office/2006/metadata/properties" xmlns:ns2="5b77f104-8052-46ee-b811-a01298bf7f96" xmlns:ns3="16fcf086-3792-4be6-a86c-4767d62f3a00" targetNamespace="http://schemas.microsoft.com/office/2006/metadata/properties" ma:root="true" ma:fieldsID="e927014a0787dc6ddad099404782267c" ns2:_="" ns3:_="">
+    <xsd:import namespace="5b77f104-8052-46ee-b811-a01298bf7f96"/>
+    <xsd:import namespace="16fcf086-3792-4be6-a86c-4767d62f3a00"/>
     <xsd:element name="properties">
       <xsd:complexType>
         <xsd:sequence>
@@ -18268,8 +19010,11 @@
               <xsd:all>
                 <xsd:element ref="ns2:MediaServiceMetadata" minOccurs="0"/>
                 <xsd:element ref="ns2:MediaServiceFastMetadata" minOccurs="0"/>
-                <xsd:element ref="ns2:MediaServiceDateTaken" minOccurs="0"/>
-                <xsd:element ref="ns2:MediaLengthInSeconds" minOccurs="0"/>
+                <xsd:element ref="ns3:SharedWithUsers" minOccurs="0"/>
+                <xsd:element ref="ns3:SharedWithDetails" minOccurs="0"/>
+                <xsd:element ref="ns2:MediaServiceAutoTags" minOccurs="0"/>
+                <xsd:element ref="ns2:MediaServiceGenerationTime" minOccurs="0"/>
+                <xsd:element ref="ns2:MediaServiceEventHashCode" minOccurs="0"/>
               </xsd:all>
             </xsd:complexType>
           </xsd:element>
@@ -18277,7 +19022,7 @@
       </xsd:complexType>
     </xsd:element>
   </xsd:schema>
-  <xsd:schema xmlns:xsd="http://www.w3.org/2001/XMLSchema" xmlns:xs="http://www.w3.org/2001/XMLSchema" xmlns:dms="http://schemas.microsoft.com/office/2006/documentManagement/types" xmlns:pc="http://schemas.microsoft.com/office/infopath/2007/PartnerControls" targetNamespace="3db59c47-87aa-4831-b38a-f5382a46a091" elementFormDefault="qualified">
+  <xsd:schema xmlns:xsd="http://www.w3.org/2001/XMLSchema" xmlns:xs="http://www.w3.org/2001/XMLSchema" xmlns:dms="http://schemas.microsoft.com/office/2006/documentManagement/types" xmlns:pc="http://schemas.microsoft.com/office/infopath/2007/PartnerControls" targetNamespace="5b77f104-8052-46ee-b811-a01298bf7f96" elementFormDefault="qualified">
     <xsd:import namespace="http://schemas.microsoft.com/office/2006/documentManagement/types"/>
     <xsd:import namespace="http://schemas.microsoft.com/office/infopath/2007/PartnerControls"/>
     <xsd:element name="MediaServiceMetadata" ma:index="8" nillable="true" ma:displayName="MediaServiceMetadata" ma:hidden="true" ma:internalName="MediaServiceMetadata" ma:readOnly="true">
@@ -18290,14 +19035,49 @@
         <xsd:restriction base="dms:Note"/>
       </xsd:simpleType>
     </xsd:element>
-    <xsd:element name="MediaServiceDateTaken" ma:index="10" nillable="true" ma:displayName="MediaServiceDateTaken" ma:hidden="true" ma:internalName="MediaServiceDateTaken" ma:readOnly="true">
+    <xsd:element name="MediaServiceAutoTags" ma:index="12" nillable="true" ma:displayName="Tags" ma:internalName="MediaServiceAutoTags" ma:readOnly="true">
       <xsd:simpleType>
         <xsd:restriction base="dms:Text"/>
       </xsd:simpleType>
     </xsd:element>
-    <xsd:element name="MediaLengthInSeconds" ma:index="11" nillable="true" ma:displayName="MediaLengthInSeconds" ma:hidden="true" ma:internalName="MediaLengthInSeconds" ma:readOnly="true">
+    <xsd:element name="MediaServiceGenerationTime" ma:index="13" nillable="true" ma:displayName="MediaServiceGenerationTime" ma:hidden="true" ma:internalName="MediaServiceGenerationTime" ma:readOnly="true">
       <xsd:simpleType>
-        <xsd:restriction base="dms:Unknown"/>
+        <xsd:restriction base="dms:Text"/>
+      </xsd:simpleType>
+    </xsd:element>
+    <xsd:element name="MediaServiceEventHashCode" ma:index="14" nillable="true" ma:displayName="MediaServiceEventHashCode" ma:hidden="true" ma:internalName="MediaServiceEventHashCode" ma:readOnly="true">
+      <xsd:simpleType>
+        <xsd:restriction base="dms:Text"/>
+      </xsd:simpleType>
+    </xsd:element>
+  </xsd:schema>
+  <xsd:schema xmlns:xsd="http://www.w3.org/2001/XMLSchema" xmlns:xs="http://www.w3.org/2001/XMLSchema" xmlns:dms="http://schemas.microsoft.com/office/2006/documentManagement/types" xmlns:pc="http://schemas.microsoft.com/office/infopath/2007/PartnerControls" targetNamespace="16fcf086-3792-4be6-a86c-4767d62f3a00" elementFormDefault="qualified">
+    <xsd:import namespace="http://schemas.microsoft.com/office/2006/documentManagement/types"/>
+    <xsd:import namespace="http://schemas.microsoft.com/office/infopath/2007/PartnerControls"/>
+    <xsd:element name="SharedWithUsers" ma:index="10" nillable="true" ma:displayName="Shared With" ma:internalName="SharedWithUsers" ma:readOnly="true">
+      <xsd:complexType>
+        <xsd:complexContent>
+          <xsd:extension base="dms:UserMulti">
+            <xsd:sequence>
+              <xsd:element name="UserInfo" minOccurs="0" maxOccurs="unbounded">
+                <xsd:complexType>
+                  <xsd:sequence>
+                    <xsd:element name="DisplayName" type="xsd:string" minOccurs="0"/>
+                    <xsd:element name="AccountId" type="dms:UserId" minOccurs="0" nillable="true"/>
+                    <xsd:element name="AccountType" type="xsd:string" minOccurs="0"/>
+                  </xsd:sequence>
+                </xsd:complexType>
+              </xsd:element>
+            </xsd:sequence>
+          </xsd:extension>
+        </xsd:complexContent>
+      </xsd:complexType>
+    </xsd:element>
+    <xsd:element name="SharedWithDetails" ma:index="11" nillable="true" ma:displayName="Shared With Details" ma:internalName="SharedWithDetails" ma:readOnly="true">
+      <xsd:simpleType>
+        <xsd:restriction base="dms:Note">
+          <xsd:maxLength value="255"/>
+        </xsd:restriction>
       </xsd:simpleType>
     </xsd:element>
   </xsd:schema>
@@ -18310,8 +19090,8 @@
         <xsd:element ref="dc:creator" minOccurs="0" maxOccurs="1"/>
         <xsd:element ref="dcterms:created" minOccurs="0" maxOccurs="1"/>
         <xsd:element ref="dc:identifier" minOccurs="0" maxOccurs="1"/>
-        <xsd:element name="contentType" minOccurs="0" maxOccurs="1" type="xsd:string" ma:index="0" ma:displayName="Tipo di contenuto"/>
-        <xsd:element ref="dc:title" minOccurs="0" maxOccurs="1" ma:index="4" ma:displayName="Titolo"/>
+        <xsd:element name="contentType" minOccurs="0" maxOccurs="1" type="xsd:string" ma:index="0" ma:displayName="Content Type"/>
+        <xsd:element ref="dc:title" minOccurs="0" maxOccurs="1" ma:index="4" ma:displayName="Title"/>
         <xsd:element ref="dc:subject" minOccurs="0" maxOccurs="1"/>
         <xsd:element ref="dc:description" minOccurs="0" maxOccurs="1"/>
         <xsd:element name="keywords" minOccurs="0" maxOccurs="1" type="xsd:string"/>
@@ -18415,13 +19195,14 @@
 </file>
 
 <file path=customXml/itemProps2.xml><?xml version="1.0" encoding="utf-8"?>
-<ds:datastoreItem xmlns:ds="http://schemas.openxmlformats.org/officeDocument/2006/customXml" ds:itemID="{20143AB7-0505-47D9-9E99-C78E17CD46EC}">
+<ds:datastoreItem xmlns:ds="http://schemas.openxmlformats.org/officeDocument/2006/customXml" ds:itemID="{799E67C2-E1EB-4E34-8E1A-1572F9F1E1B8}">
   <ds:schemaRefs>
     <ds:schemaRef ds:uri="http://schemas.microsoft.com/office/2006/metadata/contentType"/>
     <ds:schemaRef ds:uri="http://schemas.microsoft.com/office/2006/metadata/properties/metaAttributes"/>
     <ds:schemaRef ds:uri="http://www.w3.org/2001/XMLSchema"/>
     <ds:schemaRef ds:uri="http://schemas.microsoft.com/office/2006/metadata/properties"/>
-    <ds:schemaRef ds:uri="3db59c47-87aa-4831-b38a-f5382a46a091"/>
+    <ds:schemaRef ds:uri="5b77f104-8052-46ee-b811-a01298bf7f96"/>
+    <ds:schemaRef ds:uri="16fcf086-3792-4be6-a86c-4767d62f3a00"/>
     <ds:schemaRef ds:uri="http://schemas.microsoft.com/office/2006/documentManagement/types"/>
     <ds:schemaRef ds:uri="http://schemas.microsoft.com/office/infopath/2007/PartnerControls"/>
     <ds:schemaRef ds:uri="http://schemas.openxmlformats.org/package/2006/metadata/core-properties"/>
